--- a/Presentaciones/2. Introducción a C#.pptx
+++ b/Presentaciones/2. Introducción a C#.pptx
@@ -5,7 +5,7 @@
     <p:sldMasterId id="2147483744" r:id="rId1"/>
   </p:sldMasterIdLst>
   <p:notesMasterIdLst>
-    <p:notesMasterId r:id="rId24"/>
+    <p:notesMasterId r:id="rId25"/>
   </p:notesMasterIdLst>
   <p:sldIdLst>
     <p:sldId id="256" r:id="rId2"/>
@@ -14,22 +14,23 @@
     <p:sldId id="258" r:id="rId5"/>
     <p:sldId id="260" r:id="rId6"/>
     <p:sldId id="259" r:id="rId7"/>
-    <p:sldId id="262" r:id="rId8"/>
-    <p:sldId id="264" r:id="rId9"/>
-    <p:sldId id="265" r:id="rId10"/>
-    <p:sldId id="261" r:id="rId11"/>
-    <p:sldId id="263" r:id="rId12"/>
-    <p:sldId id="266" r:id="rId13"/>
-    <p:sldId id="267" r:id="rId14"/>
-    <p:sldId id="268" r:id="rId15"/>
-    <p:sldId id="270" r:id="rId16"/>
-    <p:sldId id="269" r:id="rId17"/>
-    <p:sldId id="271" r:id="rId18"/>
-    <p:sldId id="274" r:id="rId19"/>
-    <p:sldId id="272" r:id="rId20"/>
-    <p:sldId id="275" r:id="rId21"/>
-    <p:sldId id="273" r:id="rId22"/>
-    <p:sldId id="276" r:id="rId23"/>
+    <p:sldId id="278" r:id="rId8"/>
+    <p:sldId id="262" r:id="rId9"/>
+    <p:sldId id="264" r:id="rId10"/>
+    <p:sldId id="265" r:id="rId11"/>
+    <p:sldId id="261" r:id="rId12"/>
+    <p:sldId id="263" r:id="rId13"/>
+    <p:sldId id="266" r:id="rId14"/>
+    <p:sldId id="267" r:id="rId15"/>
+    <p:sldId id="268" r:id="rId16"/>
+    <p:sldId id="270" r:id="rId17"/>
+    <p:sldId id="269" r:id="rId18"/>
+    <p:sldId id="271" r:id="rId19"/>
+    <p:sldId id="274" r:id="rId20"/>
+    <p:sldId id="272" r:id="rId21"/>
+    <p:sldId id="275" r:id="rId22"/>
+    <p:sldId id="273" r:id="rId23"/>
+    <p:sldId id="276" r:id="rId24"/>
   </p:sldIdLst>
   <p:sldSz cx="12192000" cy="6858000"/>
   <p:notesSz cx="6858000" cy="9144000"/>
@@ -136,6 +137,35 @@
 </p:presentation>
 </file>
 
+<file path=ppt/changesInfos/changesInfo1.xml><?xml version="1.0" encoding="utf-8"?>
+<pc:chgInfo xmlns:a="http://schemas.openxmlformats.org/drawingml/2006/main" xmlns:r="http://schemas.openxmlformats.org/officeDocument/2006/relationships" xmlns:ac="http://schemas.microsoft.com/office/drawing/2013/main/command" xmlns:pc="http://schemas.microsoft.com/office/powerpoint/2013/main/command">
+  <pc:docChgLst>
+    <pc:chgData name="Juan David Pareja Soto" userId="dc01c613a80ff411" providerId="LiveId" clId="{3447BA5A-9773-4EBD-81BF-80877D7DFC28}"/>
+    <pc:docChg chg="custSel addSld modSld">
+      <pc:chgData name="Juan David Pareja Soto" userId="dc01c613a80ff411" providerId="LiveId" clId="{3447BA5A-9773-4EBD-81BF-80877D7DFC28}" dt="2018-08-23T12:38:57.212" v="22" actId="20577"/>
+      <pc:docMkLst>
+        <pc:docMk/>
+      </pc:docMkLst>
+      <pc:sldChg chg="modSp add">
+        <pc:chgData name="Juan David Pareja Soto" userId="dc01c613a80ff411" providerId="LiveId" clId="{3447BA5A-9773-4EBD-81BF-80877D7DFC28}" dt="2018-08-23T12:38:57.212" v="22" actId="20577"/>
+        <pc:sldMkLst>
+          <pc:docMk/>
+          <pc:sldMk cId="273211554" sldId="278"/>
+        </pc:sldMkLst>
+        <pc:spChg chg="mod">
+          <ac:chgData name="Juan David Pareja Soto" userId="dc01c613a80ff411" providerId="LiveId" clId="{3447BA5A-9773-4EBD-81BF-80877D7DFC28}" dt="2018-08-23T12:38:57.212" v="22" actId="20577"/>
+          <ac:spMkLst>
+            <pc:docMk/>
+            <pc:sldMk cId="273211554" sldId="278"/>
+            <ac:spMk id="2" creationId="{7B002423-3E1E-4513-AF95-C664E35707D9}"/>
+          </ac:spMkLst>
+        </pc:spChg>
+      </pc:sldChg>
+    </pc:docChg>
+  </pc:docChgLst>
+</pc:chgInfo>
+</file>
+
 <file path=ppt/notesMasters/notesMaster1.xml><?xml version="1.0" encoding="utf-8"?>
 <p:notesMaster xmlns:a="http://schemas.openxmlformats.org/drawingml/2006/main" xmlns:r="http://schemas.openxmlformats.org/officeDocument/2006/relationships" xmlns:p="http://schemas.openxmlformats.org/presentationml/2006/main">
   <p:cSld>
@@ -218,7 +248,7 @@
           <a:p>
             <a:fld id="{E4B0D690-8AFA-4190-91CA-93D164836BC5}" type="datetimeFigureOut">
               <a:rPr lang="es-CO" smtClean="0"/>
-              <a:t>16/06/2018</a:t>
+              <a:t>30/08/2018</a:t>
             </a:fld>
             <a:endParaRPr lang="es-CO"/>
           </a:p>
@@ -686,7 +716,7 @@
           <a:p>
             <a:fld id="{4D459765-66A3-4114-9514-A57B5A254277}" type="datetimeFigureOut">
               <a:rPr lang="es-ES" smtClean="0"/>
-              <a:t>16/06/2018</a:t>
+              <a:t>30/08/2018</a:t>
             </a:fld>
             <a:endParaRPr lang="es-ES"/>
           </a:p>
@@ -1061,7 +1091,7 @@
           <a:p>
             <a:fld id="{4D459765-66A3-4114-9514-A57B5A254277}" type="datetimeFigureOut">
               <a:rPr lang="es-ES" smtClean="0"/>
-              <a:t>16/06/2018</a:t>
+              <a:t>30/08/2018</a:t>
             </a:fld>
             <a:endParaRPr lang="es-ES"/>
           </a:p>
@@ -1241,7 +1271,7 @@
           <a:p>
             <a:fld id="{4D459765-66A3-4114-9514-A57B5A254277}" type="datetimeFigureOut">
               <a:rPr lang="es-ES" smtClean="0"/>
-              <a:t>16/06/2018</a:t>
+              <a:t>30/08/2018</a:t>
             </a:fld>
             <a:endParaRPr lang="es-ES"/>
           </a:p>
@@ -1411,7 +1441,7 @@
           <a:p>
             <a:fld id="{4D459765-66A3-4114-9514-A57B5A254277}" type="datetimeFigureOut">
               <a:rPr lang="es-ES" smtClean="0"/>
-              <a:t>16/06/2018</a:t>
+              <a:t>30/08/2018</a:t>
             </a:fld>
             <a:endParaRPr lang="es-ES"/>
           </a:p>
@@ -1667,7 +1697,7 @@
           <a:p>
             <a:fld id="{4D459765-66A3-4114-9514-A57B5A254277}" type="datetimeFigureOut">
               <a:rPr lang="es-ES" smtClean="0"/>
-              <a:t>16/06/2018</a:t>
+              <a:t>30/08/2018</a:t>
             </a:fld>
             <a:endParaRPr lang="es-ES"/>
           </a:p>
@@ -1955,7 +1985,7 @@
           <a:p>
             <a:fld id="{4D459765-66A3-4114-9514-A57B5A254277}" type="datetimeFigureOut">
               <a:rPr lang="es-ES" smtClean="0"/>
-              <a:t>16/06/2018</a:t>
+              <a:t>30/08/2018</a:t>
             </a:fld>
             <a:endParaRPr lang="es-ES"/>
           </a:p>
@@ -2393,7 +2423,7 @@
           <a:p>
             <a:fld id="{4D459765-66A3-4114-9514-A57B5A254277}" type="datetimeFigureOut">
               <a:rPr lang="es-ES" smtClean="0"/>
-              <a:t>16/06/2018</a:t>
+              <a:t>30/08/2018</a:t>
             </a:fld>
             <a:endParaRPr lang="es-ES"/>
           </a:p>
@@ -2511,7 +2541,7 @@
           <a:p>
             <a:fld id="{4D459765-66A3-4114-9514-A57B5A254277}" type="datetimeFigureOut">
               <a:rPr lang="es-ES" smtClean="0"/>
-              <a:t>16/06/2018</a:t>
+              <a:t>30/08/2018</a:t>
             </a:fld>
             <a:endParaRPr lang="es-ES"/>
           </a:p>
@@ -2606,7 +2636,7 @@
           <a:p>
             <a:fld id="{4D459765-66A3-4114-9514-A57B5A254277}" type="datetimeFigureOut">
               <a:rPr lang="es-ES" smtClean="0"/>
-              <a:t>16/06/2018</a:t>
+              <a:t>30/08/2018</a:t>
             </a:fld>
             <a:endParaRPr lang="es-ES"/>
           </a:p>
@@ -2962,7 +2992,7 @@
           <a:p>
             <a:fld id="{4D459765-66A3-4114-9514-A57B5A254277}" type="datetimeFigureOut">
               <a:rPr lang="es-ES" smtClean="0"/>
-              <a:t>16/06/2018</a:t>
+              <a:t>30/08/2018</a:t>
             </a:fld>
             <a:endParaRPr lang="es-ES"/>
           </a:p>
@@ -3278,7 +3308,7 @@
           <a:p>
             <a:fld id="{4D459765-66A3-4114-9514-A57B5A254277}" type="datetimeFigureOut">
               <a:rPr lang="es-ES" smtClean="0"/>
-              <a:t>16/06/2018</a:t>
+              <a:t>30/08/2018</a:t>
             </a:fld>
             <a:endParaRPr lang="es-ES"/>
           </a:p>
@@ -3511,7 +3541,7 @@
           <a:p>
             <a:fld id="{4D459765-66A3-4114-9514-A57B5A254277}" type="datetimeFigureOut">
               <a:rPr lang="es-ES" smtClean="0"/>
-              <a:t>16/06/2018</a:t>
+              <a:t>30/08/2018</a:t>
             </a:fld>
             <a:endParaRPr lang="es-ES"/>
           </a:p>
@@ -4214,10 +4244,10 @@
       </p:grpSpPr>
       <p:sp>
         <p:nvSpPr>
-          <p:cNvPr id="2" name="Título 1">
+          <p:cNvPr id="4" name="Título 3">
             <a:extLst>
               <a:ext uri="{FF2B5EF4-FFF2-40B4-BE49-F238E27FC236}">
-                <a16:creationId xmlns:a16="http://schemas.microsoft.com/office/drawing/2014/main" id="{CEF54A67-F15D-4AB2-B6B5-9428E408438B}"/>
+                <a16:creationId xmlns:a16="http://schemas.microsoft.com/office/drawing/2014/main" id="{A2BAB271-7D12-4049-A3D3-0EB4A736D713}"/>
               </a:ext>
             </a:extLst>
           </p:cNvPr>
@@ -4234,75 +4264,72 @@
           <a:lstStyle/>
           <a:p>
             <a:r>
-              <a:rPr lang="es-CO" dirty="0" err="1"/>
-              <a:t>Boxing</a:t>
-            </a:r>
-            <a:r>
               <a:rPr lang="es-CO" dirty="0"/>
-              <a:t> - </a:t>
-            </a:r>
-            <a:r>
-              <a:rPr lang="es-CO" dirty="0" err="1"/>
-              <a:t>Unboxing</a:t>
-            </a:r>
-            <a:endParaRPr lang="es-CO" dirty="0"/>
-          </a:p>
-        </p:txBody>
-      </p:sp>
-      <p:sp>
-        <p:nvSpPr>
-          <p:cNvPr id="3" name="Marcador de contenido 2">
+              <a:t>Demo</a:t>
+            </a:r>
+          </a:p>
+        </p:txBody>
+      </p:sp>
+      <p:pic>
+        <p:nvPicPr>
+          <p:cNvPr id="8" name="Marcador de posición de imagen 7">
             <a:extLst>
               <a:ext uri="{FF2B5EF4-FFF2-40B4-BE49-F238E27FC236}">
-                <a16:creationId xmlns:a16="http://schemas.microsoft.com/office/drawing/2014/main" id="{BE1D70C6-71C2-417D-ABB6-F91C7AA09104}"/>
+                <a16:creationId xmlns:a16="http://schemas.microsoft.com/office/drawing/2014/main" id="{DD4C2EC9-6842-489E-BDEC-E3F5324C0E96}"/>
               </a:ext>
             </a:extLst>
           </p:cNvPr>
-          <p:cNvSpPr>
-            <a:spLocks noGrp="1"/>
-          </p:cNvSpPr>
-          <p:nvPr>
-            <p:ph idx="1"/>
-          </p:nvPr>
-        </p:nvSpPr>
-        <p:spPr/>
-        <p:txBody>
-          <a:bodyPr/>
-          <a:lstStyle/>
-          <a:p>
-            <a:pPr>
-              <a:buFont typeface="Wingdings" panose="05000000000000000000" pitchFamily="2" charset="2"/>
-              <a:buChar char="q"/>
-            </a:pPr>
-            <a:r>
-              <a:rPr lang="es-CO" dirty="0" err="1"/>
-              <a:t>Boxing</a:t>
-            </a:r>
-            <a:r>
-              <a:rPr lang="es-CO" dirty="0"/>
-              <a:t> - Convertir de tipos de datos por valor a tipos de datos por referencia</a:t>
-            </a:r>
-          </a:p>
-          <a:p>
-            <a:pPr>
-              <a:buFont typeface="Wingdings" panose="05000000000000000000" pitchFamily="2" charset="2"/>
-              <a:buChar char="q"/>
-            </a:pPr>
-            <a:r>
-              <a:rPr lang="es-CO" dirty="0" err="1"/>
-              <a:t>Unboxing</a:t>
-            </a:r>
-            <a:r>
-              <a:rPr lang="es-CO" dirty="0"/>
-              <a:t> – Convertir de tipos de datos por referencia a tipos de datos por valor</a:t>
-            </a:r>
+          <p:cNvPicPr>
+            <a:picLocks noGrp="1" noChangeAspect="1"/>
+          </p:cNvPicPr>
+          <p:nvPr>
+            <p:ph type="pic" idx="1"/>
+          </p:nvPr>
+        </p:nvPicPr>
+        <p:blipFill>
+          <a:blip r:embed="rId2">
+            <a:extLst>
+              <a:ext uri="{28A0092B-C50C-407E-A947-70E740481C1C}">
+                <a14:useLocalDpi xmlns:a14="http://schemas.microsoft.com/office/drawing/2010/main" val="0"/>
+              </a:ext>
+            </a:extLst>
+          </a:blip>
+          <a:srcRect t="17207" b="17207"/>
+          <a:stretch>
+            <a:fillRect/>
+          </a:stretch>
+        </p:blipFill>
+        <p:spPr/>
+      </p:pic>
+      <p:sp>
+        <p:nvSpPr>
+          <p:cNvPr id="6" name="Marcador de texto 5">
+            <a:extLst>
+              <a:ext uri="{FF2B5EF4-FFF2-40B4-BE49-F238E27FC236}">
+                <a16:creationId xmlns:a16="http://schemas.microsoft.com/office/drawing/2014/main" id="{DB7F3EC9-0374-4D59-A9DB-0B53D3E3B449}"/>
+              </a:ext>
+            </a:extLst>
+          </p:cNvPr>
+          <p:cNvSpPr>
+            <a:spLocks noGrp="1"/>
+          </p:cNvSpPr>
+          <p:nvPr>
+            <p:ph type="body" sz="half" idx="2"/>
+          </p:nvPr>
+        </p:nvSpPr>
+        <p:spPr/>
+        <p:txBody>
+          <a:bodyPr/>
+          <a:lstStyle/>
+          <a:p>
+            <a:endParaRPr lang="es-CO"/>
           </a:p>
         </p:txBody>
       </p:sp>
     </p:spTree>
     <p:extLst>
       <p:ext uri="{BB962C8B-B14F-4D97-AF65-F5344CB8AC3E}">
-        <p14:creationId xmlns:p14="http://schemas.microsoft.com/office/powerpoint/2010/main" val="2075627625"/>
+        <p14:creationId xmlns:p14="http://schemas.microsoft.com/office/powerpoint/2010/main" val="633259381"/>
       </p:ext>
     </p:extLst>
   </p:cSld>
@@ -4334,7 +4361,7 @@
           <p:cNvPr id="2" name="Título 1">
             <a:extLst>
               <a:ext uri="{FF2B5EF4-FFF2-40B4-BE49-F238E27FC236}">
-                <a16:creationId xmlns:a16="http://schemas.microsoft.com/office/drawing/2014/main" id="{F2E34E23-4840-4B16-926D-6CAF86BD07C1}"/>
+                <a16:creationId xmlns:a16="http://schemas.microsoft.com/office/drawing/2014/main" id="{CEF54A67-F15D-4AB2-B6B5-9428E408438B}"/>
               </a:ext>
             </a:extLst>
           </p:cNvPr>
@@ -4351,9 +4378,18 @@
           <a:lstStyle/>
           <a:p>
             <a:r>
+              <a:rPr lang="es-CO" dirty="0" err="1"/>
+              <a:t>Boxing</a:t>
+            </a:r>
+            <a:r>
               <a:rPr lang="es-CO" dirty="0"/>
-              <a:t>Conversiones</a:t>
-            </a:r>
+              <a:t> - </a:t>
+            </a:r>
+            <a:r>
+              <a:rPr lang="es-CO" dirty="0" err="1"/>
+              <a:t>Unboxing</a:t>
+            </a:r>
+            <a:endParaRPr lang="es-CO" dirty="0"/>
           </a:p>
         </p:txBody>
       </p:sp>
@@ -4362,7 +4398,7 @@
           <p:cNvPr id="3" name="Marcador de contenido 2">
             <a:extLst>
               <a:ext uri="{FF2B5EF4-FFF2-40B4-BE49-F238E27FC236}">
-                <a16:creationId xmlns:a16="http://schemas.microsoft.com/office/drawing/2014/main" id="{BE82B795-D52C-45AD-B0CF-5FE669AF68C7}"/>
+                <a16:creationId xmlns:a16="http://schemas.microsoft.com/office/drawing/2014/main" id="{BE1D70C6-71C2-417D-ABB6-F91C7AA09104}"/>
               </a:ext>
             </a:extLst>
           </p:cNvPr>
@@ -4378,15 +4414,31 @@
           <a:bodyPr/>
           <a:lstStyle/>
           <a:p>
+            <a:pPr>
+              <a:buFont typeface="Wingdings" panose="05000000000000000000" pitchFamily="2" charset="2"/>
+              <a:buChar char="q"/>
+            </a:pPr>
+            <a:r>
+              <a:rPr lang="es-CO" dirty="0" err="1"/>
+              <a:t>Boxing</a:t>
+            </a:r>
             <a:r>
               <a:rPr lang="es-CO" dirty="0"/>
-              <a:t>Uso de la Clase Convert</a:t>
-            </a:r>
-          </a:p>
-          <a:p>
+              <a:t> - Convertir de tipos de datos por valor a tipos de datos por referencia</a:t>
+            </a:r>
+          </a:p>
+          <a:p>
+            <a:pPr>
+              <a:buFont typeface="Wingdings" panose="05000000000000000000" pitchFamily="2" charset="2"/>
+              <a:buChar char="q"/>
+            </a:pPr>
+            <a:r>
+              <a:rPr lang="es-CO" dirty="0" err="1"/>
+              <a:t>Unboxing</a:t>
+            </a:r>
             <a:r>
               <a:rPr lang="es-CO" dirty="0"/>
-              <a:t>Conversiones Implícitas</a:t>
+              <a:t> – Convertir de tipos de datos por referencia a tipos de datos por valor</a:t>
             </a:r>
           </a:p>
         </p:txBody>
@@ -4394,7 +4446,7 @@
     </p:spTree>
     <p:extLst>
       <p:ext uri="{BB962C8B-B14F-4D97-AF65-F5344CB8AC3E}">
-        <p14:creationId xmlns:p14="http://schemas.microsoft.com/office/powerpoint/2010/main" val="2727647584"/>
+        <p14:creationId xmlns:p14="http://schemas.microsoft.com/office/powerpoint/2010/main" val="2075627625"/>
       </p:ext>
     </p:extLst>
   </p:cSld>
@@ -4423,10 +4475,10 @@
       </p:grpSpPr>
       <p:sp>
         <p:nvSpPr>
-          <p:cNvPr id="4" name="Título 3">
+          <p:cNvPr id="2" name="Título 1">
             <a:extLst>
               <a:ext uri="{FF2B5EF4-FFF2-40B4-BE49-F238E27FC236}">
-                <a16:creationId xmlns:a16="http://schemas.microsoft.com/office/drawing/2014/main" id="{A2BAB271-7D12-4049-A3D3-0EB4A736D713}"/>
+                <a16:creationId xmlns:a16="http://schemas.microsoft.com/office/drawing/2014/main" id="{F2E34E23-4840-4B16-926D-6CAF86BD07C1}"/>
               </a:ext>
             </a:extLst>
           </p:cNvPr>
@@ -4444,71 +4496,49 @@
           <a:p>
             <a:r>
               <a:rPr lang="es-CO" dirty="0"/>
-              <a:t>Demo Conversiones</a:t>
-            </a:r>
-          </a:p>
-        </p:txBody>
-      </p:sp>
-      <p:pic>
-        <p:nvPicPr>
-          <p:cNvPr id="8" name="Marcador de posición de imagen 7">
+              <a:t>Conversiones</a:t>
+            </a:r>
+          </a:p>
+        </p:txBody>
+      </p:sp>
+      <p:sp>
+        <p:nvSpPr>
+          <p:cNvPr id="3" name="Marcador de contenido 2">
             <a:extLst>
               <a:ext uri="{FF2B5EF4-FFF2-40B4-BE49-F238E27FC236}">
-                <a16:creationId xmlns:a16="http://schemas.microsoft.com/office/drawing/2014/main" id="{DD4C2EC9-6842-489E-BDEC-E3F5324C0E96}"/>
+                <a16:creationId xmlns:a16="http://schemas.microsoft.com/office/drawing/2014/main" id="{BE82B795-D52C-45AD-B0CF-5FE669AF68C7}"/>
               </a:ext>
             </a:extLst>
           </p:cNvPr>
-          <p:cNvPicPr>
-            <a:picLocks noGrp="1" noChangeAspect="1"/>
-          </p:cNvPicPr>
-          <p:nvPr>
-            <p:ph type="pic" idx="1"/>
-          </p:nvPr>
-        </p:nvPicPr>
-        <p:blipFill>
-          <a:blip r:embed="rId2">
-            <a:extLst>
-              <a:ext uri="{28A0092B-C50C-407E-A947-70E740481C1C}">
-                <a14:useLocalDpi xmlns:a14="http://schemas.microsoft.com/office/drawing/2010/main" val="0"/>
-              </a:ext>
-            </a:extLst>
-          </a:blip>
-          <a:srcRect t="17207" b="17207"/>
-          <a:stretch>
-            <a:fillRect/>
-          </a:stretch>
-        </p:blipFill>
-        <p:spPr/>
-      </p:pic>
-      <p:sp>
-        <p:nvSpPr>
-          <p:cNvPr id="6" name="Marcador de texto 5">
-            <a:extLst>
-              <a:ext uri="{FF2B5EF4-FFF2-40B4-BE49-F238E27FC236}">
-                <a16:creationId xmlns:a16="http://schemas.microsoft.com/office/drawing/2014/main" id="{DB7F3EC9-0374-4D59-A9DB-0B53D3E3B449}"/>
-              </a:ext>
-            </a:extLst>
-          </p:cNvPr>
-          <p:cNvSpPr>
-            <a:spLocks noGrp="1"/>
-          </p:cNvSpPr>
-          <p:nvPr>
-            <p:ph type="body" sz="half" idx="2"/>
-          </p:nvPr>
-        </p:nvSpPr>
-        <p:spPr/>
-        <p:txBody>
-          <a:bodyPr/>
-          <a:lstStyle/>
-          <a:p>
-            <a:endParaRPr lang="es-CO"/>
+          <p:cNvSpPr>
+            <a:spLocks noGrp="1"/>
+          </p:cNvSpPr>
+          <p:nvPr>
+            <p:ph idx="1"/>
+          </p:nvPr>
+        </p:nvSpPr>
+        <p:spPr/>
+        <p:txBody>
+          <a:bodyPr/>
+          <a:lstStyle/>
+          <a:p>
+            <a:r>
+              <a:rPr lang="es-CO" dirty="0"/>
+              <a:t>Uso de la Clase Convert</a:t>
+            </a:r>
+          </a:p>
+          <a:p>
+            <a:r>
+              <a:rPr lang="es-CO" dirty="0"/>
+              <a:t>Conversiones Implícitas</a:t>
+            </a:r>
           </a:p>
         </p:txBody>
       </p:sp>
     </p:spTree>
     <p:extLst>
       <p:ext uri="{BB962C8B-B14F-4D97-AF65-F5344CB8AC3E}">
-        <p14:creationId xmlns:p14="http://schemas.microsoft.com/office/powerpoint/2010/main" val="2170761518"/>
+        <p14:creationId xmlns:p14="http://schemas.microsoft.com/office/powerpoint/2010/main" val="2727647584"/>
       </p:ext>
     </p:extLst>
   </p:cSld>
@@ -4537,10 +4567,10 @@
       </p:grpSpPr>
       <p:sp>
         <p:nvSpPr>
-          <p:cNvPr id="5" name="Título 4">
+          <p:cNvPr id="4" name="Título 3">
             <a:extLst>
               <a:ext uri="{FF2B5EF4-FFF2-40B4-BE49-F238E27FC236}">
-                <a16:creationId xmlns:a16="http://schemas.microsoft.com/office/drawing/2014/main" id="{E50B5277-2056-41CF-9D31-E2E0A7CA6586}"/>
+                <a16:creationId xmlns:a16="http://schemas.microsoft.com/office/drawing/2014/main" id="{A2BAB271-7D12-4049-A3D3-0EB4A736D713}"/>
               </a:ext>
             </a:extLst>
           </p:cNvPr>
@@ -4558,78 +4588,71 @@
           <a:p>
             <a:r>
               <a:rPr lang="es-CO" dirty="0"/>
-              <a:t>Cadenas</a:t>
-            </a:r>
-          </a:p>
-        </p:txBody>
-      </p:sp>
-      <p:sp>
-        <p:nvSpPr>
-          <p:cNvPr id="6" name="Marcador de contenido 5">
+              <a:t>Demo Conversiones</a:t>
+            </a:r>
+          </a:p>
+        </p:txBody>
+      </p:sp>
+      <p:pic>
+        <p:nvPicPr>
+          <p:cNvPr id="8" name="Marcador de posición de imagen 7">
             <a:extLst>
               <a:ext uri="{FF2B5EF4-FFF2-40B4-BE49-F238E27FC236}">
-                <a16:creationId xmlns:a16="http://schemas.microsoft.com/office/drawing/2014/main" id="{E4C59089-9D06-4B55-816E-13579097DD5C}"/>
+                <a16:creationId xmlns:a16="http://schemas.microsoft.com/office/drawing/2014/main" id="{DD4C2EC9-6842-489E-BDEC-E3F5324C0E96}"/>
               </a:ext>
             </a:extLst>
           </p:cNvPr>
-          <p:cNvSpPr>
-            <a:spLocks noGrp="1"/>
-          </p:cNvSpPr>
-          <p:nvPr>
-            <p:ph idx="1"/>
-          </p:nvPr>
-        </p:nvSpPr>
-        <p:spPr/>
-        <p:txBody>
-          <a:bodyPr/>
-          <a:lstStyle/>
-          <a:p>
-            <a:r>
-              <a:rPr lang="es-CO" dirty="0"/>
-              <a:t>Manipulación básica de cadenas.</a:t>
-            </a:r>
-          </a:p>
-          <a:p>
-            <a:r>
-              <a:rPr lang="es-CO" dirty="0"/>
-              <a:t>Concatenación de cadenas</a:t>
-            </a:r>
-          </a:p>
-          <a:p>
-            <a:r>
-              <a:rPr lang="es-CO" dirty="0"/>
-              <a:t>Caracteres de Escape</a:t>
-            </a:r>
-          </a:p>
-          <a:p>
-            <a:r>
-              <a:rPr lang="es-CO" dirty="0"/>
-              <a:t>Cadenas “</a:t>
-            </a:r>
-            <a:r>
-              <a:rPr lang="es-CO" dirty="0" err="1"/>
-              <a:t>verbatim</a:t>
-            </a:r>
-            <a:r>
-              <a:rPr lang="es-CO" dirty="0"/>
-              <a:t>”</a:t>
-            </a:r>
-          </a:p>
-          <a:p>
-            <a:r>
-              <a:rPr lang="es-CO" dirty="0"/>
-              <a:t>Interpolación de cadenas</a:t>
-            </a:r>
-          </a:p>
-          <a:p>
-            <a:endParaRPr lang="es-CO" dirty="0"/>
+          <p:cNvPicPr>
+            <a:picLocks noGrp="1" noChangeAspect="1"/>
+          </p:cNvPicPr>
+          <p:nvPr>
+            <p:ph type="pic" idx="1"/>
+          </p:nvPr>
+        </p:nvPicPr>
+        <p:blipFill>
+          <a:blip r:embed="rId2">
+            <a:extLst>
+              <a:ext uri="{28A0092B-C50C-407E-A947-70E740481C1C}">
+                <a14:useLocalDpi xmlns:a14="http://schemas.microsoft.com/office/drawing/2010/main" val="0"/>
+              </a:ext>
+            </a:extLst>
+          </a:blip>
+          <a:srcRect t="17207" b="17207"/>
+          <a:stretch>
+            <a:fillRect/>
+          </a:stretch>
+        </p:blipFill>
+        <p:spPr/>
+      </p:pic>
+      <p:sp>
+        <p:nvSpPr>
+          <p:cNvPr id="6" name="Marcador de texto 5">
+            <a:extLst>
+              <a:ext uri="{FF2B5EF4-FFF2-40B4-BE49-F238E27FC236}">
+                <a16:creationId xmlns:a16="http://schemas.microsoft.com/office/drawing/2014/main" id="{DB7F3EC9-0374-4D59-A9DB-0B53D3E3B449}"/>
+              </a:ext>
+            </a:extLst>
+          </p:cNvPr>
+          <p:cNvSpPr>
+            <a:spLocks noGrp="1"/>
+          </p:cNvSpPr>
+          <p:nvPr>
+            <p:ph type="body" sz="half" idx="2"/>
+          </p:nvPr>
+        </p:nvSpPr>
+        <p:spPr/>
+        <p:txBody>
+          <a:bodyPr/>
+          <a:lstStyle/>
+          <a:p>
+            <a:endParaRPr lang="es-CO"/>
           </a:p>
         </p:txBody>
       </p:sp>
     </p:spTree>
     <p:extLst>
       <p:ext uri="{BB962C8B-B14F-4D97-AF65-F5344CB8AC3E}">
-        <p14:creationId xmlns:p14="http://schemas.microsoft.com/office/powerpoint/2010/main" val="426997545"/>
+        <p14:creationId xmlns:p14="http://schemas.microsoft.com/office/powerpoint/2010/main" val="2170761518"/>
       </p:ext>
     </p:extLst>
   </p:cSld>
@@ -4658,10 +4681,10 @@
       </p:grpSpPr>
       <p:sp>
         <p:nvSpPr>
-          <p:cNvPr id="4" name="Título 3">
+          <p:cNvPr id="5" name="Título 4">
             <a:extLst>
               <a:ext uri="{FF2B5EF4-FFF2-40B4-BE49-F238E27FC236}">
-                <a16:creationId xmlns:a16="http://schemas.microsoft.com/office/drawing/2014/main" id="{A2BAB271-7D12-4049-A3D3-0EB4A736D713}"/>
+                <a16:creationId xmlns:a16="http://schemas.microsoft.com/office/drawing/2014/main" id="{E50B5277-2056-41CF-9D31-E2E0A7CA6586}"/>
               </a:ext>
             </a:extLst>
           </p:cNvPr>
@@ -4679,71 +4702,78 @@
           <a:p>
             <a:r>
               <a:rPr lang="es-CO" dirty="0"/>
-              <a:t>Demo Cadenas</a:t>
-            </a:r>
-          </a:p>
-        </p:txBody>
-      </p:sp>
-      <p:pic>
-        <p:nvPicPr>
-          <p:cNvPr id="8" name="Marcador de posición de imagen 7">
+              <a:t>Cadenas</a:t>
+            </a:r>
+          </a:p>
+        </p:txBody>
+      </p:sp>
+      <p:sp>
+        <p:nvSpPr>
+          <p:cNvPr id="6" name="Marcador de contenido 5">
             <a:extLst>
               <a:ext uri="{FF2B5EF4-FFF2-40B4-BE49-F238E27FC236}">
-                <a16:creationId xmlns:a16="http://schemas.microsoft.com/office/drawing/2014/main" id="{DD4C2EC9-6842-489E-BDEC-E3F5324C0E96}"/>
+                <a16:creationId xmlns:a16="http://schemas.microsoft.com/office/drawing/2014/main" id="{E4C59089-9D06-4B55-816E-13579097DD5C}"/>
               </a:ext>
             </a:extLst>
           </p:cNvPr>
-          <p:cNvPicPr>
-            <a:picLocks noGrp="1" noChangeAspect="1"/>
-          </p:cNvPicPr>
-          <p:nvPr>
-            <p:ph type="pic" idx="1"/>
-          </p:nvPr>
-        </p:nvPicPr>
-        <p:blipFill>
-          <a:blip r:embed="rId2">
-            <a:extLst>
-              <a:ext uri="{28A0092B-C50C-407E-A947-70E740481C1C}">
-                <a14:useLocalDpi xmlns:a14="http://schemas.microsoft.com/office/drawing/2010/main" val="0"/>
-              </a:ext>
-            </a:extLst>
-          </a:blip>
-          <a:srcRect t="17207" b="17207"/>
-          <a:stretch>
-            <a:fillRect/>
-          </a:stretch>
-        </p:blipFill>
-        <p:spPr/>
-      </p:pic>
-      <p:sp>
-        <p:nvSpPr>
-          <p:cNvPr id="6" name="Marcador de texto 5">
-            <a:extLst>
-              <a:ext uri="{FF2B5EF4-FFF2-40B4-BE49-F238E27FC236}">
-                <a16:creationId xmlns:a16="http://schemas.microsoft.com/office/drawing/2014/main" id="{DB7F3EC9-0374-4D59-A9DB-0B53D3E3B449}"/>
-              </a:ext>
-            </a:extLst>
-          </p:cNvPr>
-          <p:cNvSpPr>
-            <a:spLocks noGrp="1"/>
-          </p:cNvSpPr>
-          <p:nvPr>
-            <p:ph type="body" sz="half" idx="2"/>
-          </p:nvPr>
-        </p:nvSpPr>
-        <p:spPr/>
-        <p:txBody>
-          <a:bodyPr/>
-          <a:lstStyle/>
-          <a:p>
-            <a:endParaRPr lang="es-CO"/>
+          <p:cNvSpPr>
+            <a:spLocks noGrp="1"/>
+          </p:cNvSpPr>
+          <p:nvPr>
+            <p:ph idx="1"/>
+          </p:nvPr>
+        </p:nvSpPr>
+        <p:spPr/>
+        <p:txBody>
+          <a:bodyPr/>
+          <a:lstStyle/>
+          <a:p>
+            <a:r>
+              <a:rPr lang="es-CO" dirty="0"/>
+              <a:t>Manipulación básica de cadenas.</a:t>
+            </a:r>
+          </a:p>
+          <a:p>
+            <a:r>
+              <a:rPr lang="es-CO" dirty="0"/>
+              <a:t>Concatenación de cadenas</a:t>
+            </a:r>
+          </a:p>
+          <a:p>
+            <a:r>
+              <a:rPr lang="es-CO" dirty="0"/>
+              <a:t>Caracteres de Escape</a:t>
+            </a:r>
+          </a:p>
+          <a:p>
+            <a:r>
+              <a:rPr lang="es-CO" dirty="0"/>
+              <a:t>Cadenas “</a:t>
+            </a:r>
+            <a:r>
+              <a:rPr lang="es-CO" dirty="0" err="1"/>
+              <a:t>verbatim</a:t>
+            </a:r>
+            <a:r>
+              <a:rPr lang="es-CO" dirty="0"/>
+              <a:t>”</a:t>
+            </a:r>
+          </a:p>
+          <a:p>
+            <a:r>
+              <a:rPr lang="es-CO" dirty="0"/>
+              <a:t>Interpolación de cadenas</a:t>
+            </a:r>
+          </a:p>
+          <a:p>
+            <a:endParaRPr lang="es-CO" dirty="0"/>
           </a:p>
         </p:txBody>
       </p:sp>
     </p:spTree>
     <p:extLst>
       <p:ext uri="{BB962C8B-B14F-4D97-AF65-F5344CB8AC3E}">
-        <p14:creationId xmlns:p14="http://schemas.microsoft.com/office/powerpoint/2010/main" val="3355767158"/>
+        <p14:creationId xmlns:p14="http://schemas.microsoft.com/office/powerpoint/2010/main" val="426997545"/>
       </p:ext>
     </p:extLst>
   </p:cSld>
@@ -4772,10 +4802,10 @@
       </p:grpSpPr>
       <p:sp>
         <p:nvSpPr>
-          <p:cNvPr id="5" name="Título 4">
+          <p:cNvPr id="4" name="Título 3">
             <a:extLst>
               <a:ext uri="{FF2B5EF4-FFF2-40B4-BE49-F238E27FC236}">
-                <a16:creationId xmlns:a16="http://schemas.microsoft.com/office/drawing/2014/main" id="{ED3B80CB-C73A-4E77-9B0E-81B272074EE5}"/>
+                <a16:creationId xmlns:a16="http://schemas.microsoft.com/office/drawing/2014/main" id="{A2BAB271-7D12-4049-A3D3-0EB4A736D713}"/>
               </a:ext>
             </a:extLst>
           </p:cNvPr>
@@ -4793,49 +4823,71 @@
           <a:p>
             <a:r>
               <a:rPr lang="es-CO" dirty="0"/>
-              <a:t>Expresiones</a:t>
-            </a:r>
-          </a:p>
-        </p:txBody>
-      </p:sp>
-      <p:sp>
-        <p:nvSpPr>
-          <p:cNvPr id="6" name="Marcador de contenido 5">
+              <a:t>Demo Cadenas</a:t>
+            </a:r>
+          </a:p>
+        </p:txBody>
+      </p:sp>
+      <p:pic>
+        <p:nvPicPr>
+          <p:cNvPr id="8" name="Marcador de posición de imagen 7">
             <a:extLst>
               <a:ext uri="{FF2B5EF4-FFF2-40B4-BE49-F238E27FC236}">
-                <a16:creationId xmlns:a16="http://schemas.microsoft.com/office/drawing/2014/main" id="{69B788CF-8CB2-411F-9CA4-6C04C60FA0DD}"/>
+                <a16:creationId xmlns:a16="http://schemas.microsoft.com/office/drawing/2014/main" id="{DD4C2EC9-6842-489E-BDEC-E3F5324C0E96}"/>
               </a:ext>
             </a:extLst>
           </p:cNvPr>
-          <p:cNvSpPr>
-            <a:spLocks noGrp="1"/>
-          </p:cNvSpPr>
-          <p:nvPr>
-            <p:ph idx="1"/>
-          </p:nvPr>
-        </p:nvSpPr>
-        <p:spPr/>
-        <p:txBody>
-          <a:bodyPr/>
-          <a:lstStyle/>
-          <a:p>
-            <a:r>
-              <a:rPr lang="es-CO" dirty="0"/>
-              <a:t>Matemáticas</a:t>
-            </a:r>
-          </a:p>
-          <a:p>
-            <a:r>
-              <a:rPr lang="es-CO" dirty="0"/>
-              <a:t>Booleanas</a:t>
-            </a:r>
+          <p:cNvPicPr>
+            <a:picLocks noGrp="1" noChangeAspect="1"/>
+          </p:cNvPicPr>
+          <p:nvPr>
+            <p:ph type="pic" idx="1"/>
+          </p:nvPr>
+        </p:nvPicPr>
+        <p:blipFill>
+          <a:blip r:embed="rId2">
+            <a:extLst>
+              <a:ext uri="{28A0092B-C50C-407E-A947-70E740481C1C}">
+                <a14:useLocalDpi xmlns:a14="http://schemas.microsoft.com/office/drawing/2010/main" val="0"/>
+              </a:ext>
+            </a:extLst>
+          </a:blip>
+          <a:srcRect t="17207" b="17207"/>
+          <a:stretch>
+            <a:fillRect/>
+          </a:stretch>
+        </p:blipFill>
+        <p:spPr/>
+      </p:pic>
+      <p:sp>
+        <p:nvSpPr>
+          <p:cNvPr id="6" name="Marcador de texto 5">
+            <a:extLst>
+              <a:ext uri="{FF2B5EF4-FFF2-40B4-BE49-F238E27FC236}">
+                <a16:creationId xmlns:a16="http://schemas.microsoft.com/office/drawing/2014/main" id="{DB7F3EC9-0374-4D59-A9DB-0B53D3E3B449}"/>
+              </a:ext>
+            </a:extLst>
+          </p:cNvPr>
+          <p:cNvSpPr>
+            <a:spLocks noGrp="1"/>
+          </p:cNvSpPr>
+          <p:nvPr>
+            <p:ph type="body" sz="half" idx="2"/>
+          </p:nvPr>
+        </p:nvSpPr>
+        <p:spPr/>
+        <p:txBody>
+          <a:bodyPr/>
+          <a:lstStyle/>
+          <a:p>
+            <a:endParaRPr lang="es-CO"/>
           </a:p>
         </p:txBody>
       </p:sp>
     </p:spTree>
     <p:extLst>
       <p:ext uri="{BB962C8B-B14F-4D97-AF65-F5344CB8AC3E}">
-        <p14:creationId xmlns:p14="http://schemas.microsoft.com/office/powerpoint/2010/main" val="2121799244"/>
+        <p14:creationId xmlns:p14="http://schemas.microsoft.com/office/powerpoint/2010/main" val="3355767158"/>
       </p:ext>
     </p:extLst>
   </p:cSld>
@@ -4867,7 +4919,7 @@
           <p:cNvPr id="5" name="Título 4">
             <a:extLst>
               <a:ext uri="{FF2B5EF4-FFF2-40B4-BE49-F238E27FC236}">
-                <a16:creationId xmlns:a16="http://schemas.microsoft.com/office/drawing/2014/main" id="{CECAEAA5-79AE-400A-9DF5-C450B95901D6}"/>
+                <a16:creationId xmlns:a16="http://schemas.microsoft.com/office/drawing/2014/main" id="{ED3B80CB-C73A-4E77-9B0E-81B272074EE5}"/>
               </a:ext>
             </a:extLst>
           </p:cNvPr>
@@ -4875,7 +4927,7 @@
             <a:spLocks noGrp="1"/>
           </p:cNvSpPr>
           <p:nvPr>
-            <p:ph type="ctrTitle"/>
+            <p:ph type="title"/>
           </p:nvPr>
         </p:nvSpPr>
         <p:spPr/>
@@ -4885,17 +4937,17 @@
           <a:p>
             <a:r>
               <a:rPr lang="es-CO" dirty="0"/>
-              <a:t>Sentencias</a:t>
-            </a:r>
-          </a:p>
-        </p:txBody>
-      </p:sp>
-      <p:sp>
-        <p:nvSpPr>
-          <p:cNvPr id="6" name="Subtítulo 5">
+              <a:t>Expresiones</a:t>
+            </a:r>
+          </a:p>
+        </p:txBody>
+      </p:sp>
+      <p:sp>
+        <p:nvSpPr>
+          <p:cNvPr id="6" name="Marcador de contenido 5">
             <a:extLst>
               <a:ext uri="{FF2B5EF4-FFF2-40B4-BE49-F238E27FC236}">
-                <a16:creationId xmlns:a16="http://schemas.microsoft.com/office/drawing/2014/main" id="{1B9468DD-45D3-457C-AC99-9FBE734F8A94}"/>
+                <a16:creationId xmlns:a16="http://schemas.microsoft.com/office/drawing/2014/main" id="{69B788CF-8CB2-411F-9CA4-6C04C60FA0DD}"/>
               </a:ext>
             </a:extLst>
           </p:cNvPr>
@@ -4903,22 +4955,31 @@
             <a:spLocks noGrp="1"/>
           </p:cNvSpPr>
           <p:nvPr>
-            <p:ph type="subTitle" idx="1"/>
-          </p:nvPr>
-        </p:nvSpPr>
-        <p:spPr/>
-        <p:txBody>
-          <a:bodyPr/>
-          <a:lstStyle/>
-          <a:p>
-            <a:endParaRPr lang="es-CO"/>
+            <p:ph idx="1"/>
+          </p:nvPr>
+        </p:nvSpPr>
+        <p:spPr/>
+        <p:txBody>
+          <a:bodyPr/>
+          <a:lstStyle/>
+          <a:p>
+            <a:r>
+              <a:rPr lang="es-CO" dirty="0"/>
+              <a:t>Matemáticas</a:t>
+            </a:r>
+          </a:p>
+          <a:p>
+            <a:r>
+              <a:rPr lang="es-CO" dirty="0"/>
+              <a:t>Booleanas</a:t>
+            </a:r>
           </a:p>
         </p:txBody>
       </p:sp>
     </p:spTree>
     <p:extLst>
       <p:ext uri="{BB962C8B-B14F-4D97-AF65-F5344CB8AC3E}">
-        <p14:creationId xmlns:p14="http://schemas.microsoft.com/office/powerpoint/2010/main" val="2096693360"/>
+        <p14:creationId xmlns:p14="http://schemas.microsoft.com/office/powerpoint/2010/main" val="2121799244"/>
       </p:ext>
     </p:extLst>
   </p:cSld>
@@ -4947,10 +5008,10 @@
       </p:grpSpPr>
       <p:sp>
         <p:nvSpPr>
-          <p:cNvPr id="2" name="Título 1">
+          <p:cNvPr id="5" name="Título 4">
             <a:extLst>
               <a:ext uri="{FF2B5EF4-FFF2-40B4-BE49-F238E27FC236}">
-                <a16:creationId xmlns:a16="http://schemas.microsoft.com/office/drawing/2014/main" id="{D2466762-77BD-4DBD-A009-8D94B1A2A531}"/>
+                <a16:creationId xmlns:a16="http://schemas.microsoft.com/office/drawing/2014/main" id="{CECAEAA5-79AE-400A-9DF5-C450B95901D6}"/>
               </a:ext>
             </a:extLst>
           </p:cNvPr>
@@ -4958,7 +5019,7 @@
             <a:spLocks noGrp="1"/>
           </p:cNvSpPr>
           <p:nvPr>
-            <p:ph type="title"/>
+            <p:ph type="ctrTitle"/>
           </p:nvPr>
         </p:nvSpPr>
         <p:spPr/>
@@ -4968,17 +5029,17 @@
           <a:p>
             <a:r>
               <a:rPr lang="es-CO" dirty="0"/>
-              <a:t>De selección</a:t>
-            </a:r>
-          </a:p>
-        </p:txBody>
-      </p:sp>
-      <p:sp>
-        <p:nvSpPr>
-          <p:cNvPr id="3" name="Marcador de contenido 2">
+              <a:t>Sentencias</a:t>
+            </a:r>
+          </a:p>
+        </p:txBody>
+      </p:sp>
+      <p:sp>
+        <p:nvSpPr>
+          <p:cNvPr id="6" name="Subtítulo 5">
             <a:extLst>
               <a:ext uri="{FF2B5EF4-FFF2-40B4-BE49-F238E27FC236}">
-                <a16:creationId xmlns:a16="http://schemas.microsoft.com/office/drawing/2014/main" id="{C22556D0-D75C-4FB5-86A0-C13D80C3F05B}"/>
+                <a16:creationId xmlns:a16="http://schemas.microsoft.com/office/drawing/2014/main" id="{1B9468DD-45D3-457C-AC99-9FBE734F8A94}"/>
               </a:ext>
             </a:extLst>
           </p:cNvPr>
@@ -4986,41 +5047,22 @@
             <a:spLocks noGrp="1"/>
           </p:cNvSpPr>
           <p:nvPr>
-            <p:ph idx="1"/>
-          </p:nvPr>
-        </p:nvSpPr>
-        <p:spPr/>
-        <p:txBody>
-          <a:bodyPr/>
-          <a:lstStyle/>
-          <a:p>
-            <a:r>
-              <a:rPr lang="es-CO" dirty="0" err="1"/>
-              <a:t>If</a:t>
-            </a:r>
-            <a:r>
-              <a:rPr lang="es-CO" dirty="0"/>
-              <a:t> / </a:t>
-            </a:r>
-            <a:r>
-              <a:rPr lang="es-CO" dirty="0" err="1"/>
-              <a:t>Else</a:t>
-            </a:r>
-            <a:endParaRPr lang="es-CO" dirty="0"/>
-          </a:p>
-          <a:p>
-            <a:r>
-              <a:rPr lang="es-CO" dirty="0" err="1"/>
-              <a:t>Switch</a:t>
-            </a:r>
-            <a:endParaRPr lang="es-CO" dirty="0"/>
+            <p:ph type="subTitle" idx="1"/>
+          </p:nvPr>
+        </p:nvSpPr>
+        <p:spPr/>
+        <p:txBody>
+          <a:bodyPr/>
+          <a:lstStyle/>
+          <a:p>
+            <a:endParaRPr lang="es-CO"/>
           </a:p>
         </p:txBody>
       </p:sp>
     </p:spTree>
     <p:extLst>
       <p:ext uri="{BB962C8B-B14F-4D97-AF65-F5344CB8AC3E}">
-        <p14:creationId xmlns:p14="http://schemas.microsoft.com/office/powerpoint/2010/main" val="2572581061"/>
+        <p14:creationId xmlns:p14="http://schemas.microsoft.com/office/powerpoint/2010/main" val="2096693360"/>
       </p:ext>
     </p:extLst>
   </p:cSld>
@@ -5049,10 +5091,10 @@
       </p:grpSpPr>
       <p:sp>
         <p:nvSpPr>
-          <p:cNvPr id="4" name="Título 3">
+          <p:cNvPr id="2" name="Título 1">
             <a:extLst>
               <a:ext uri="{FF2B5EF4-FFF2-40B4-BE49-F238E27FC236}">
-                <a16:creationId xmlns:a16="http://schemas.microsoft.com/office/drawing/2014/main" id="{A2BAB271-7D12-4049-A3D3-0EB4A736D713}"/>
+                <a16:creationId xmlns:a16="http://schemas.microsoft.com/office/drawing/2014/main" id="{D2466762-77BD-4DBD-A009-8D94B1A2A531}"/>
               </a:ext>
             </a:extLst>
           </p:cNvPr>
@@ -5070,71 +5112,59 @@
           <a:p>
             <a:r>
               <a:rPr lang="es-CO" dirty="0"/>
-              <a:t>Demo Sentencias de selección</a:t>
-            </a:r>
-          </a:p>
-        </p:txBody>
-      </p:sp>
-      <p:pic>
-        <p:nvPicPr>
-          <p:cNvPr id="8" name="Marcador de posición de imagen 7">
+              <a:t>De selección</a:t>
+            </a:r>
+          </a:p>
+        </p:txBody>
+      </p:sp>
+      <p:sp>
+        <p:nvSpPr>
+          <p:cNvPr id="3" name="Marcador de contenido 2">
             <a:extLst>
               <a:ext uri="{FF2B5EF4-FFF2-40B4-BE49-F238E27FC236}">
-                <a16:creationId xmlns:a16="http://schemas.microsoft.com/office/drawing/2014/main" id="{DD4C2EC9-6842-489E-BDEC-E3F5324C0E96}"/>
+                <a16:creationId xmlns:a16="http://schemas.microsoft.com/office/drawing/2014/main" id="{C22556D0-D75C-4FB5-86A0-C13D80C3F05B}"/>
               </a:ext>
             </a:extLst>
           </p:cNvPr>
-          <p:cNvPicPr>
-            <a:picLocks noGrp="1" noChangeAspect="1"/>
-          </p:cNvPicPr>
-          <p:nvPr>
-            <p:ph type="pic" idx="1"/>
-          </p:nvPr>
-        </p:nvPicPr>
-        <p:blipFill>
-          <a:blip r:embed="rId2">
-            <a:extLst>
-              <a:ext uri="{28A0092B-C50C-407E-A947-70E740481C1C}">
-                <a14:useLocalDpi xmlns:a14="http://schemas.microsoft.com/office/drawing/2010/main" val="0"/>
-              </a:ext>
-            </a:extLst>
-          </a:blip>
-          <a:srcRect t="17207" b="17207"/>
-          <a:stretch>
-            <a:fillRect/>
-          </a:stretch>
-        </p:blipFill>
-        <p:spPr/>
-      </p:pic>
-      <p:sp>
-        <p:nvSpPr>
-          <p:cNvPr id="6" name="Marcador de texto 5">
-            <a:extLst>
-              <a:ext uri="{FF2B5EF4-FFF2-40B4-BE49-F238E27FC236}">
-                <a16:creationId xmlns:a16="http://schemas.microsoft.com/office/drawing/2014/main" id="{DB7F3EC9-0374-4D59-A9DB-0B53D3E3B449}"/>
-              </a:ext>
-            </a:extLst>
-          </p:cNvPr>
-          <p:cNvSpPr>
-            <a:spLocks noGrp="1"/>
-          </p:cNvSpPr>
-          <p:nvPr>
-            <p:ph type="body" sz="half" idx="2"/>
-          </p:nvPr>
-        </p:nvSpPr>
-        <p:spPr/>
-        <p:txBody>
-          <a:bodyPr/>
-          <a:lstStyle/>
-          <a:p>
-            <a:endParaRPr lang="es-CO"/>
+          <p:cNvSpPr>
+            <a:spLocks noGrp="1"/>
+          </p:cNvSpPr>
+          <p:nvPr>
+            <p:ph idx="1"/>
+          </p:nvPr>
+        </p:nvSpPr>
+        <p:spPr/>
+        <p:txBody>
+          <a:bodyPr/>
+          <a:lstStyle/>
+          <a:p>
+            <a:r>
+              <a:rPr lang="es-CO" dirty="0" err="1"/>
+              <a:t>If</a:t>
+            </a:r>
+            <a:r>
+              <a:rPr lang="es-CO" dirty="0"/>
+              <a:t> / </a:t>
+            </a:r>
+            <a:r>
+              <a:rPr lang="es-CO" dirty="0" err="1"/>
+              <a:t>Else</a:t>
+            </a:r>
+            <a:endParaRPr lang="es-CO" dirty="0"/>
+          </a:p>
+          <a:p>
+            <a:r>
+              <a:rPr lang="es-CO" dirty="0" err="1"/>
+              <a:t>Switch</a:t>
+            </a:r>
+            <a:endParaRPr lang="es-CO" dirty="0"/>
           </a:p>
         </p:txBody>
       </p:sp>
     </p:spTree>
     <p:extLst>
       <p:ext uri="{BB962C8B-B14F-4D97-AF65-F5344CB8AC3E}">
-        <p14:creationId xmlns:p14="http://schemas.microsoft.com/office/powerpoint/2010/main" val="851637983"/>
+        <p14:creationId xmlns:p14="http://schemas.microsoft.com/office/powerpoint/2010/main" val="2572581061"/>
       </p:ext>
     </p:extLst>
   </p:cSld>
@@ -5163,10 +5193,10 @@
       </p:grpSpPr>
       <p:sp>
         <p:nvSpPr>
-          <p:cNvPr id="2" name="Título 1">
+          <p:cNvPr id="4" name="Título 3">
             <a:extLst>
               <a:ext uri="{FF2B5EF4-FFF2-40B4-BE49-F238E27FC236}">
-                <a16:creationId xmlns:a16="http://schemas.microsoft.com/office/drawing/2014/main" id="{4FD10E8A-6A66-4886-B0D8-0DCF88D31D76}"/>
+                <a16:creationId xmlns:a16="http://schemas.microsoft.com/office/drawing/2014/main" id="{A2BAB271-7D12-4049-A3D3-0EB4A736D713}"/>
               </a:ext>
             </a:extLst>
           </p:cNvPr>
@@ -5184,69 +5214,71 @@
           <a:p>
             <a:r>
               <a:rPr lang="es-CO" dirty="0"/>
-              <a:t>De Iteración</a:t>
-            </a:r>
-          </a:p>
-        </p:txBody>
-      </p:sp>
-      <p:sp>
-        <p:nvSpPr>
-          <p:cNvPr id="3" name="Marcador de contenido 2">
+              <a:t>Demo Sentencias de selección</a:t>
+            </a:r>
+          </a:p>
+        </p:txBody>
+      </p:sp>
+      <p:pic>
+        <p:nvPicPr>
+          <p:cNvPr id="8" name="Marcador de posición de imagen 7">
             <a:extLst>
               <a:ext uri="{FF2B5EF4-FFF2-40B4-BE49-F238E27FC236}">
-                <a16:creationId xmlns:a16="http://schemas.microsoft.com/office/drawing/2014/main" id="{ABB8A764-A34E-430B-AE72-FB74E6BCB12F}"/>
+                <a16:creationId xmlns:a16="http://schemas.microsoft.com/office/drawing/2014/main" id="{DD4C2EC9-6842-489E-BDEC-E3F5324C0E96}"/>
               </a:ext>
             </a:extLst>
           </p:cNvPr>
-          <p:cNvSpPr>
-            <a:spLocks noGrp="1"/>
-          </p:cNvSpPr>
-          <p:nvPr>
-            <p:ph idx="1"/>
-          </p:nvPr>
-        </p:nvSpPr>
-        <p:spPr/>
-        <p:txBody>
-          <a:bodyPr/>
-          <a:lstStyle/>
-          <a:p>
-            <a:r>
-              <a:rPr lang="es-CO" dirty="0" err="1"/>
-              <a:t>While</a:t>
-            </a:r>
-            <a:endParaRPr lang="es-CO" dirty="0"/>
-          </a:p>
-          <a:p>
-            <a:r>
-              <a:rPr lang="es-CO" dirty="0"/>
-              <a:t>Do </a:t>
-            </a:r>
-            <a:r>
-              <a:rPr lang="es-CO" dirty="0" err="1"/>
-              <a:t>while</a:t>
-            </a:r>
-            <a:endParaRPr lang="es-CO" dirty="0"/>
-          </a:p>
-          <a:p>
-            <a:r>
-              <a:rPr lang="es-CO" dirty="0" err="1"/>
-              <a:t>For</a:t>
-            </a:r>
-            <a:endParaRPr lang="es-CO" dirty="0"/>
-          </a:p>
-          <a:p>
-            <a:r>
-              <a:rPr lang="es-CO" dirty="0" err="1"/>
-              <a:t>Foreach</a:t>
-            </a:r>
-            <a:endParaRPr lang="es-CO" dirty="0"/>
+          <p:cNvPicPr>
+            <a:picLocks noGrp="1" noChangeAspect="1"/>
+          </p:cNvPicPr>
+          <p:nvPr>
+            <p:ph type="pic" idx="1"/>
+          </p:nvPr>
+        </p:nvPicPr>
+        <p:blipFill>
+          <a:blip r:embed="rId2">
+            <a:extLst>
+              <a:ext uri="{28A0092B-C50C-407E-A947-70E740481C1C}">
+                <a14:useLocalDpi xmlns:a14="http://schemas.microsoft.com/office/drawing/2010/main" val="0"/>
+              </a:ext>
+            </a:extLst>
+          </a:blip>
+          <a:srcRect t="17207" b="17207"/>
+          <a:stretch>
+            <a:fillRect/>
+          </a:stretch>
+        </p:blipFill>
+        <p:spPr/>
+      </p:pic>
+      <p:sp>
+        <p:nvSpPr>
+          <p:cNvPr id="6" name="Marcador de texto 5">
+            <a:extLst>
+              <a:ext uri="{FF2B5EF4-FFF2-40B4-BE49-F238E27FC236}">
+                <a16:creationId xmlns:a16="http://schemas.microsoft.com/office/drawing/2014/main" id="{DB7F3EC9-0374-4D59-A9DB-0B53D3E3B449}"/>
+              </a:ext>
+            </a:extLst>
+          </p:cNvPr>
+          <p:cNvSpPr>
+            <a:spLocks noGrp="1"/>
+          </p:cNvSpPr>
+          <p:nvPr>
+            <p:ph type="body" sz="half" idx="2"/>
+          </p:nvPr>
+        </p:nvSpPr>
+        <p:spPr/>
+        <p:txBody>
+          <a:bodyPr/>
+          <a:lstStyle/>
+          <a:p>
+            <a:endParaRPr lang="es-CO"/>
           </a:p>
         </p:txBody>
       </p:sp>
     </p:spTree>
     <p:extLst>
       <p:ext uri="{BB962C8B-B14F-4D97-AF65-F5344CB8AC3E}">
-        <p14:creationId xmlns:p14="http://schemas.microsoft.com/office/powerpoint/2010/main" val="703034779"/>
+        <p14:creationId xmlns:p14="http://schemas.microsoft.com/office/powerpoint/2010/main" val="851637983"/>
       </p:ext>
     </p:extLst>
   </p:cSld>
@@ -5440,10 +5472,10 @@
       </p:grpSpPr>
       <p:sp>
         <p:nvSpPr>
-          <p:cNvPr id="4" name="Título 3">
+          <p:cNvPr id="2" name="Título 1">
             <a:extLst>
               <a:ext uri="{FF2B5EF4-FFF2-40B4-BE49-F238E27FC236}">
-                <a16:creationId xmlns:a16="http://schemas.microsoft.com/office/drawing/2014/main" id="{A2BAB271-7D12-4049-A3D3-0EB4A736D713}"/>
+                <a16:creationId xmlns:a16="http://schemas.microsoft.com/office/drawing/2014/main" id="{4FD10E8A-6A66-4886-B0D8-0DCF88D31D76}"/>
               </a:ext>
             </a:extLst>
           </p:cNvPr>
@@ -5461,71 +5493,69 @@
           <a:p>
             <a:r>
               <a:rPr lang="es-CO" dirty="0"/>
-              <a:t>Demo sentencias de iteración</a:t>
-            </a:r>
-          </a:p>
-        </p:txBody>
-      </p:sp>
-      <p:pic>
-        <p:nvPicPr>
-          <p:cNvPr id="8" name="Marcador de posición de imagen 7">
+              <a:t>De Iteración</a:t>
+            </a:r>
+          </a:p>
+        </p:txBody>
+      </p:sp>
+      <p:sp>
+        <p:nvSpPr>
+          <p:cNvPr id="3" name="Marcador de contenido 2">
             <a:extLst>
               <a:ext uri="{FF2B5EF4-FFF2-40B4-BE49-F238E27FC236}">
-                <a16:creationId xmlns:a16="http://schemas.microsoft.com/office/drawing/2014/main" id="{DD4C2EC9-6842-489E-BDEC-E3F5324C0E96}"/>
+                <a16:creationId xmlns:a16="http://schemas.microsoft.com/office/drawing/2014/main" id="{ABB8A764-A34E-430B-AE72-FB74E6BCB12F}"/>
               </a:ext>
             </a:extLst>
           </p:cNvPr>
-          <p:cNvPicPr>
-            <a:picLocks noGrp="1" noChangeAspect="1"/>
-          </p:cNvPicPr>
-          <p:nvPr>
-            <p:ph type="pic" idx="1"/>
-          </p:nvPr>
-        </p:nvPicPr>
-        <p:blipFill>
-          <a:blip r:embed="rId2">
-            <a:extLst>
-              <a:ext uri="{28A0092B-C50C-407E-A947-70E740481C1C}">
-                <a14:useLocalDpi xmlns:a14="http://schemas.microsoft.com/office/drawing/2010/main" val="0"/>
-              </a:ext>
-            </a:extLst>
-          </a:blip>
-          <a:srcRect t="17207" b="17207"/>
-          <a:stretch>
-            <a:fillRect/>
-          </a:stretch>
-        </p:blipFill>
-        <p:spPr/>
-      </p:pic>
-      <p:sp>
-        <p:nvSpPr>
-          <p:cNvPr id="6" name="Marcador de texto 5">
-            <a:extLst>
-              <a:ext uri="{FF2B5EF4-FFF2-40B4-BE49-F238E27FC236}">
-                <a16:creationId xmlns:a16="http://schemas.microsoft.com/office/drawing/2014/main" id="{DB7F3EC9-0374-4D59-A9DB-0B53D3E3B449}"/>
-              </a:ext>
-            </a:extLst>
-          </p:cNvPr>
-          <p:cNvSpPr>
-            <a:spLocks noGrp="1"/>
-          </p:cNvSpPr>
-          <p:nvPr>
-            <p:ph type="body" sz="half" idx="2"/>
-          </p:nvPr>
-        </p:nvSpPr>
-        <p:spPr/>
-        <p:txBody>
-          <a:bodyPr/>
-          <a:lstStyle/>
-          <a:p>
-            <a:endParaRPr lang="es-CO"/>
+          <p:cNvSpPr>
+            <a:spLocks noGrp="1"/>
+          </p:cNvSpPr>
+          <p:nvPr>
+            <p:ph idx="1"/>
+          </p:nvPr>
+        </p:nvSpPr>
+        <p:spPr/>
+        <p:txBody>
+          <a:bodyPr/>
+          <a:lstStyle/>
+          <a:p>
+            <a:r>
+              <a:rPr lang="es-CO" dirty="0" err="1"/>
+              <a:t>While</a:t>
+            </a:r>
+            <a:endParaRPr lang="es-CO" dirty="0"/>
+          </a:p>
+          <a:p>
+            <a:r>
+              <a:rPr lang="es-CO" dirty="0"/>
+              <a:t>Do </a:t>
+            </a:r>
+            <a:r>
+              <a:rPr lang="es-CO" dirty="0" err="1"/>
+              <a:t>while</a:t>
+            </a:r>
+            <a:endParaRPr lang="es-CO" dirty="0"/>
+          </a:p>
+          <a:p>
+            <a:r>
+              <a:rPr lang="es-CO" dirty="0" err="1"/>
+              <a:t>For</a:t>
+            </a:r>
+            <a:endParaRPr lang="es-CO" dirty="0"/>
+          </a:p>
+          <a:p>
+            <a:r>
+              <a:rPr lang="es-CO" dirty="0" err="1"/>
+              <a:t>Foreach</a:t>
+            </a:r>
+            <a:endParaRPr lang="es-CO" dirty="0"/>
           </a:p>
         </p:txBody>
       </p:sp>
     </p:spTree>
     <p:extLst>
       <p:ext uri="{BB962C8B-B14F-4D97-AF65-F5344CB8AC3E}">
-        <p14:creationId xmlns:p14="http://schemas.microsoft.com/office/powerpoint/2010/main" val="3416326767"/>
+        <p14:creationId xmlns:p14="http://schemas.microsoft.com/office/powerpoint/2010/main" val="703034779"/>
       </p:ext>
     </p:extLst>
   </p:cSld>
@@ -5554,6 +5584,120 @@
       </p:grpSpPr>
       <p:sp>
         <p:nvSpPr>
+          <p:cNvPr id="4" name="Título 3">
+            <a:extLst>
+              <a:ext uri="{FF2B5EF4-FFF2-40B4-BE49-F238E27FC236}">
+                <a16:creationId xmlns:a16="http://schemas.microsoft.com/office/drawing/2014/main" id="{A2BAB271-7D12-4049-A3D3-0EB4A736D713}"/>
+              </a:ext>
+            </a:extLst>
+          </p:cNvPr>
+          <p:cNvSpPr>
+            <a:spLocks noGrp="1"/>
+          </p:cNvSpPr>
+          <p:nvPr>
+            <p:ph type="title"/>
+          </p:nvPr>
+        </p:nvSpPr>
+        <p:spPr/>
+        <p:txBody>
+          <a:bodyPr/>
+          <a:lstStyle/>
+          <a:p>
+            <a:r>
+              <a:rPr lang="es-CO" dirty="0"/>
+              <a:t>Demo sentencias de iteración</a:t>
+            </a:r>
+          </a:p>
+        </p:txBody>
+      </p:sp>
+      <p:pic>
+        <p:nvPicPr>
+          <p:cNvPr id="8" name="Marcador de posición de imagen 7">
+            <a:extLst>
+              <a:ext uri="{FF2B5EF4-FFF2-40B4-BE49-F238E27FC236}">
+                <a16:creationId xmlns:a16="http://schemas.microsoft.com/office/drawing/2014/main" id="{DD4C2EC9-6842-489E-BDEC-E3F5324C0E96}"/>
+              </a:ext>
+            </a:extLst>
+          </p:cNvPr>
+          <p:cNvPicPr>
+            <a:picLocks noGrp="1" noChangeAspect="1"/>
+          </p:cNvPicPr>
+          <p:nvPr>
+            <p:ph type="pic" idx="1"/>
+          </p:nvPr>
+        </p:nvPicPr>
+        <p:blipFill>
+          <a:blip r:embed="rId2">
+            <a:extLst>
+              <a:ext uri="{28A0092B-C50C-407E-A947-70E740481C1C}">
+                <a14:useLocalDpi xmlns:a14="http://schemas.microsoft.com/office/drawing/2010/main" val="0"/>
+              </a:ext>
+            </a:extLst>
+          </a:blip>
+          <a:srcRect t="17207" b="17207"/>
+          <a:stretch>
+            <a:fillRect/>
+          </a:stretch>
+        </p:blipFill>
+        <p:spPr/>
+      </p:pic>
+      <p:sp>
+        <p:nvSpPr>
+          <p:cNvPr id="6" name="Marcador de texto 5">
+            <a:extLst>
+              <a:ext uri="{FF2B5EF4-FFF2-40B4-BE49-F238E27FC236}">
+                <a16:creationId xmlns:a16="http://schemas.microsoft.com/office/drawing/2014/main" id="{DB7F3EC9-0374-4D59-A9DB-0B53D3E3B449}"/>
+              </a:ext>
+            </a:extLst>
+          </p:cNvPr>
+          <p:cNvSpPr>
+            <a:spLocks noGrp="1"/>
+          </p:cNvSpPr>
+          <p:nvPr>
+            <p:ph type="body" sz="half" idx="2"/>
+          </p:nvPr>
+        </p:nvSpPr>
+        <p:spPr/>
+        <p:txBody>
+          <a:bodyPr/>
+          <a:lstStyle/>
+          <a:p>
+            <a:endParaRPr lang="es-CO"/>
+          </a:p>
+        </p:txBody>
+      </p:sp>
+    </p:spTree>
+    <p:extLst>
+      <p:ext uri="{BB962C8B-B14F-4D97-AF65-F5344CB8AC3E}">
+        <p14:creationId xmlns:p14="http://schemas.microsoft.com/office/powerpoint/2010/main" val="3416326767"/>
+      </p:ext>
+    </p:extLst>
+  </p:cSld>
+  <p:clrMapOvr>
+    <a:masterClrMapping/>
+  </p:clrMapOvr>
+</p:sld>
+</file>
+
+<file path=ppt/slides/slide22.xml><?xml version="1.0" encoding="utf-8"?>
+<p:sld xmlns:a="http://schemas.openxmlformats.org/drawingml/2006/main" xmlns:r="http://schemas.openxmlformats.org/officeDocument/2006/relationships" xmlns:p="http://schemas.openxmlformats.org/presentationml/2006/main">
+  <p:cSld>
+    <p:spTree>
+      <p:nvGrpSpPr>
+        <p:cNvPr id="1" name=""/>
+        <p:cNvGrpSpPr/>
+        <p:nvPr/>
+      </p:nvGrpSpPr>
+      <p:grpSpPr>
+        <a:xfrm>
+          <a:off x="0" y="0"/>
+          <a:ext cx="0" cy="0"/>
+          <a:chOff x="0" y="0"/>
+          <a:chExt cx="0" cy="0"/>
+        </a:xfrm>
+      </p:grpSpPr>
+      <p:sp>
+        <p:nvSpPr>
           <p:cNvPr id="2" name="Título 1">
             <a:extLst>
               <a:ext uri="{FF2B5EF4-FFF2-40B4-BE49-F238E27FC236}">
@@ -5638,7 +5782,7 @@
 </p:sld>
 </file>
 
-<file path=ppt/slides/slide22.xml><?xml version="1.0" encoding="utf-8"?>
+<file path=ppt/slides/slide23.xml><?xml version="1.0" encoding="utf-8"?>
 <p:sld xmlns:a="http://schemas.openxmlformats.org/drawingml/2006/main" xmlns:r="http://schemas.openxmlformats.org/officeDocument/2006/relationships" xmlns:p="http://schemas.openxmlformats.org/presentationml/2006/main">
   <p:cSld>
     <p:spTree>
@@ -6522,10 +6666,10 @@
       </p:grpSpPr>
       <p:sp>
         <p:nvSpPr>
-          <p:cNvPr id="4" name="Título 3">
+          <p:cNvPr id="2" name="Título 1">
             <a:extLst>
               <a:ext uri="{FF2B5EF4-FFF2-40B4-BE49-F238E27FC236}">
-                <a16:creationId xmlns:a16="http://schemas.microsoft.com/office/drawing/2014/main" id="{A2BAB271-7D12-4049-A3D3-0EB4A736D713}"/>
+                <a16:creationId xmlns:a16="http://schemas.microsoft.com/office/drawing/2014/main" id="{7B002423-3E1E-4513-AF95-C664E35707D9}"/>
               </a:ext>
             </a:extLst>
           </p:cNvPr>
@@ -6543,56 +6687,29 @@
           <a:p>
             <a:r>
               <a:rPr lang="es-CO" dirty="0"/>
-              <a:t>Demo</a:t>
-            </a:r>
-          </a:p>
-        </p:txBody>
-      </p:sp>
-      <p:pic>
-        <p:nvPicPr>
-          <p:cNvPr id="8" name="Marcador de posición de imagen 7">
+              <a:t>¿Qué es </a:t>
+            </a:r>
+            <a:r>
+              <a:rPr lang="es-CO"/>
+              <a:t>una variable?</a:t>
+            </a:r>
+          </a:p>
+        </p:txBody>
+      </p:sp>
+      <p:sp>
+        <p:nvSpPr>
+          <p:cNvPr id="3" name="Marcador de contenido 2">
             <a:extLst>
               <a:ext uri="{FF2B5EF4-FFF2-40B4-BE49-F238E27FC236}">
-                <a16:creationId xmlns:a16="http://schemas.microsoft.com/office/drawing/2014/main" id="{DD4C2EC9-6842-489E-BDEC-E3F5324C0E96}"/>
+                <a16:creationId xmlns:a16="http://schemas.microsoft.com/office/drawing/2014/main" id="{C0210662-0B56-486C-8173-EE02B8A891DC}"/>
               </a:ext>
             </a:extLst>
           </p:cNvPr>
-          <p:cNvPicPr>
-            <a:picLocks noGrp="1" noChangeAspect="1"/>
-          </p:cNvPicPr>
-          <p:nvPr>
-            <p:ph type="pic" idx="1"/>
-          </p:nvPr>
-        </p:nvPicPr>
-        <p:blipFill>
-          <a:blip r:embed="rId2">
-            <a:extLst>
-              <a:ext uri="{28A0092B-C50C-407E-A947-70E740481C1C}">
-                <a14:useLocalDpi xmlns:a14="http://schemas.microsoft.com/office/drawing/2010/main" val="0"/>
-              </a:ext>
-            </a:extLst>
-          </a:blip>
-          <a:srcRect t="17207" b="17207"/>
-          <a:stretch>
-            <a:fillRect/>
-          </a:stretch>
-        </p:blipFill>
-        <p:spPr/>
-      </p:pic>
-      <p:sp>
-        <p:nvSpPr>
-          <p:cNvPr id="6" name="Marcador de texto 5">
-            <a:extLst>
-              <a:ext uri="{FF2B5EF4-FFF2-40B4-BE49-F238E27FC236}">
-                <a16:creationId xmlns:a16="http://schemas.microsoft.com/office/drawing/2014/main" id="{DB7F3EC9-0374-4D59-A9DB-0B53D3E3B449}"/>
-              </a:ext>
-            </a:extLst>
-          </p:cNvPr>
-          <p:cNvSpPr>
-            <a:spLocks noGrp="1"/>
-          </p:cNvSpPr>
-          <p:nvPr>
-            <p:ph type="body" sz="half" idx="2"/>
+          <p:cNvSpPr>
+            <a:spLocks noGrp="1"/>
+          </p:cNvSpPr>
+          <p:nvPr>
+            <p:ph idx="1"/>
           </p:nvPr>
         </p:nvSpPr>
         <p:spPr/>
@@ -6607,7 +6724,7 @@
     </p:spTree>
     <p:extLst>
       <p:ext uri="{BB962C8B-B14F-4D97-AF65-F5344CB8AC3E}">
-        <p14:creationId xmlns:p14="http://schemas.microsoft.com/office/powerpoint/2010/main" val="898075042"/>
+        <p14:creationId xmlns:p14="http://schemas.microsoft.com/office/powerpoint/2010/main" val="273211554"/>
       </p:ext>
     </p:extLst>
   </p:cSld>
@@ -6636,10 +6753,10 @@
       </p:grpSpPr>
       <p:sp>
         <p:nvSpPr>
-          <p:cNvPr id="5" name="Título 4">
+          <p:cNvPr id="4" name="Título 3">
             <a:extLst>
               <a:ext uri="{FF2B5EF4-FFF2-40B4-BE49-F238E27FC236}">
-                <a16:creationId xmlns:a16="http://schemas.microsoft.com/office/drawing/2014/main" id="{4B6554B6-D1BD-437F-808A-5E718F46145A}"/>
+                <a16:creationId xmlns:a16="http://schemas.microsoft.com/office/drawing/2014/main" id="{A2BAB271-7D12-4049-A3D3-0EB4A736D713}"/>
               </a:ext>
             </a:extLst>
           </p:cNvPr>
@@ -6657,48 +6774,71 @@
           <a:p>
             <a:r>
               <a:rPr lang="es-CO" dirty="0"/>
-              <a:t>Clase </a:t>
-            </a:r>
-            <a:r>
-              <a:rPr lang="es-CO" dirty="0" err="1"/>
-              <a:t>Console</a:t>
-            </a:r>
-            <a:endParaRPr lang="es-CO" dirty="0"/>
-          </a:p>
-        </p:txBody>
-      </p:sp>
-      <p:sp>
-        <p:nvSpPr>
-          <p:cNvPr id="6" name="Marcador de contenido 5">
+              <a:t>Demo</a:t>
+            </a:r>
+          </a:p>
+        </p:txBody>
+      </p:sp>
+      <p:pic>
+        <p:nvPicPr>
+          <p:cNvPr id="8" name="Marcador de posición de imagen 7">
             <a:extLst>
               <a:ext uri="{FF2B5EF4-FFF2-40B4-BE49-F238E27FC236}">
-                <a16:creationId xmlns:a16="http://schemas.microsoft.com/office/drawing/2014/main" id="{39A8CF66-EAFA-4A38-9846-F4FDBE1FED5E}"/>
+                <a16:creationId xmlns:a16="http://schemas.microsoft.com/office/drawing/2014/main" id="{DD4C2EC9-6842-489E-BDEC-E3F5324C0E96}"/>
               </a:ext>
             </a:extLst>
           </p:cNvPr>
-          <p:cNvSpPr>
-            <a:spLocks noGrp="1"/>
-          </p:cNvSpPr>
-          <p:nvPr>
-            <p:ph idx="1"/>
-          </p:nvPr>
-        </p:nvSpPr>
-        <p:spPr/>
-        <p:txBody>
-          <a:bodyPr/>
-          <a:lstStyle/>
-          <a:p>
-            <a:r>
-              <a:rPr lang="es-CO" dirty="0"/>
-              <a:t>Permite las funcionalidades de acceso y gestión de la consola</a:t>
-            </a:r>
+          <p:cNvPicPr>
+            <a:picLocks noGrp="1" noChangeAspect="1"/>
+          </p:cNvPicPr>
+          <p:nvPr>
+            <p:ph type="pic" idx="1"/>
+          </p:nvPr>
+        </p:nvPicPr>
+        <p:blipFill>
+          <a:blip r:embed="rId2">
+            <a:extLst>
+              <a:ext uri="{28A0092B-C50C-407E-A947-70E740481C1C}">
+                <a14:useLocalDpi xmlns:a14="http://schemas.microsoft.com/office/drawing/2010/main" val="0"/>
+              </a:ext>
+            </a:extLst>
+          </a:blip>
+          <a:srcRect t="17207" b="17207"/>
+          <a:stretch>
+            <a:fillRect/>
+          </a:stretch>
+        </p:blipFill>
+        <p:spPr/>
+      </p:pic>
+      <p:sp>
+        <p:nvSpPr>
+          <p:cNvPr id="6" name="Marcador de texto 5">
+            <a:extLst>
+              <a:ext uri="{FF2B5EF4-FFF2-40B4-BE49-F238E27FC236}">
+                <a16:creationId xmlns:a16="http://schemas.microsoft.com/office/drawing/2014/main" id="{DB7F3EC9-0374-4D59-A9DB-0B53D3E3B449}"/>
+              </a:ext>
+            </a:extLst>
+          </p:cNvPr>
+          <p:cNvSpPr>
+            <a:spLocks noGrp="1"/>
+          </p:cNvSpPr>
+          <p:nvPr>
+            <p:ph type="body" sz="half" idx="2"/>
+          </p:nvPr>
+        </p:nvSpPr>
+        <p:spPr/>
+        <p:txBody>
+          <a:bodyPr/>
+          <a:lstStyle/>
+          <a:p>
+            <a:endParaRPr lang="es-CO"/>
           </a:p>
         </p:txBody>
       </p:sp>
     </p:spTree>
     <p:extLst>
       <p:ext uri="{BB962C8B-B14F-4D97-AF65-F5344CB8AC3E}">
-        <p14:creationId xmlns:p14="http://schemas.microsoft.com/office/powerpoint/2010/main" val="191790201"/>
+        <p14:creationId xmlns:p14="http://schemas.microsoft.com/office/powerpoint/2010/main" val="898075042"/>
       </p:ext>
     </p:extLst>
   </p:cSld>
@@ -6727,10 +6867,10 @@
       </p:grpSpPr>
       <p:sp>
         <p:nvSpPr>
-          <p:cNvPr id="4" name="Título 3">
+          <p:cNvPr id="5" name="Título 4">
             <a:extLst>
               <a:ext uri="{FF2B5EF4-FFF2-40B4-BE49-F238E27FC236}">
-                <a16:creationId xmlns:a16="http://schemas.microsoft.com/office/drawing/2014/main" id="{A2BAB271-7D12-4049-A3D3-0EB4A736D713}"/>
+                <a16:creationId xmlns:a16="http://schemas.microsoft.com/office/drawing/2014/main" id="{4B6554B6-D1BD-437F-808A-5E718F46145A}"/>
               </a:ext>
             </a:extLst>
           </p:cNvPr>
@@ -6748,71 +6888,48 @@
           <a:p>
             <a:r>
               <a:rPr lang="es-CO" dirty="0"/>
-              <a:t>Demo</a:t>
-            </a:r>
-          </a:p>
-        </p:txBody>
-      </p:sp>
-      <p:pic>
-        <p:nvPicPr>
-          <p:cNvPr id="8" name="Marcador de posición de imagen 7">
+              <a:t>Clase </a:t>
+            </a:r>
+            <a:r>
+              <a:rPr lang="es-CO" dirty="0" err="1"/>
+              <a:t>Console</a:t>
+            </a:r>
+            <a:endParaRPr lang="es-CO" dirty="0"/>
+          </a:p>
+        </p:txBody>
+      </p:sp>
+      <p:sp>
+        <p:nvSpPr>
+          <p:cNvPr id="6" name="Marcador de contenido 5">
             <a:extLst>
               <a:ext uri="{FF2B5EF4-FFF2-40B4-BE49-F238E27FC236}">
-                <a16:creationId xmlns:a16="http://schemas.microsoft.com/office/drawing/2014/main" id="{DD4C2EC9-6842-489E-BDEC-E3F5324C0E96}"/>
+                <a16:creationId xmlns:a16="http://schemas.microsoft.com/office/drawing/2014/main" id="{39A8CF66-EAFA-4A38-9846-F4FDBE1FED5E}"/>
               </a:ext>
             </a:extLst>
           </p:cNvPr>
-          <p:cNvPicPr>
-            <a:picLocks noGrp="1" noChangeAspect="1"/>
-          </p:cNvPicPr>
-          <p:nvPr>
-            <p:ph type="pic" idx="1"/>
-          </p:nvPr>
-        </p:nvPicPr>
-        <p:blipFill>
-          <a:blip r:embed="rId2">
-            <a:extLst>
-              <a:ext uri="{28A0092B-C50C-407E-A947-70E740481C1C}">
-                <a14:useLocalDpi xmlns:a14="http://schemas.microsoft.com/office/drawing/2010/main" val="0"/>
-              </a:ext>
-            </a:extLst>
-          </a:blip>
-          <a:srcRect t="17207" b="17207"/>
-          <a:stretch>
-            <a:fillRect/>
-          </a:stretch>
-        </p:blipFill>
-        <p:spPr/>
-      </p:pic>
-      <p:sp>
-        <p:nvSpPr>
-          <p:cNvPr id="6" name="Marcador de texto 5">
-            <a:extLst>
-              <a:ext uri="{FF2B5EF4-FFF2-40B4-BE49-F238E27FC236}">
-                <a16:creationId xmlns:a16="http://schemas.microsoft.com/office/drawing/2014/main" id="{DB7F3EC9-0374-4D59-A9DB-0B53D3E3B449}"/>
-              </a:ext>
-            </a:extLst>
-          </p:cNvPr>
-          <p:cNvSpPr>
-            <a:spLocks noGrp="1"/>
-          </p:cNvSpPr>
-          <p:nvPr>
-            <p:ph type="body" sz="half" idx="2"/>
-          </p:nvPr>
-        </p:nvSpPr>
-        <p:spPr/>
-        <p:txBody>
-          <a:bodyPr/>
-          <a:lstStyle/>
-          <a:p>
-            <a:endParaRPr lang="es-CO"/>
+          <p:cNvSpPr>
+            <a:spLocks noGrp="1"/>
+          </p:cNvSpPr>
+          <p:nvPr>
+            <p:ph idx="1"/>
+          </p:nvPr>
+        </p:nvSpPr>
+        <p:spPr/>
+        <p:txBody>
+          <a:bodyPr/>
+          <a:lstStyle/>
+          <a:p>
+            <a:r>
+              <a:rPr lang="es-CO" dirty="0"/>
+              <a:t>Permite las funcionalidades de acceso y gestión de la consola</a:t>
+            </a:r>
           </a:p>
         </p:txBody>
       </p:sp>
     </p:spTree>
     <p:extLst>
       <p:ext uri="{BB962C8B-B14F-4D97-AF65-F5344CB8AC3E}">
-        <p14:creationId xmlns:p14="http://schemas.microsoft.com/office/powerpoint/2010/main" val="633259381"/>
+        <p14:creationId xmlns:p14="http://schemas.microsoft.com/office/powerpoint/2010/main" val="191790201"/>
       </p:ext>
     </p:extLst>
   </p:cSld>
